--- a/documentacao/powerPoint/Proto-persona.pptx
+++ b/documentacao/powerPoint/Proto-persona.pptx
@@ -261,7 +261,7 @@
           <a:p>
             <a:fld id="{46DF35DE-0DC8-4534-86A5-D1F1F01A51FA}" type="datetimeFigureOut">
               <a:rPr lang="pt-BR" smtClean="0"/>
-              <a:t>20/09/2019</a:t>
+              <a:t>18/10/2019</a:t>
             </a:fld>
             <a:endParaRPr lang="pt-BR"/>
           </a:p>
@@ -461,7 +461,7 @@
           <a:p>
             <a:fld id="{46DF35DE-0DC8-4534-86A5-D1F1F01A51FA}" type="datetimeFigureOut">
               <a:rPr lang="pt-BR" smtClean="0"/>
-              <a:t>20/09/2019</a:t>
+              <a:t>18/10/2019</a:t>
             </a:fld>
             <a:endParaRPr lang="pt-BR"/>
           </a:p>
@@ -671,7 +671,7 @@
           <a:p>
             <a:fld id="{46DF35DE-0DC8-4534-86A5-D1F1F01A51FA}" type="datetimeFigureOut">
               <a:rPr lang="pt-BR" smtClean="0"/>
-              <a:t>20/09/2019</a:t>
+              <a:t>18/10/2019</a:t>
             </a:fld>
             <a:endParaRPr lang="pt-BR"/>
           </a:p>
@@ -871,7 +871,7 @@
           <a:p>
             <a:fld id="{46DF35DE-0DC8-4534-86A5-D1F1F01A51FA}" type="datetimeFigureOut">
               <a:rPr lang="pt-BR" smtClean="0"/>
-              <a:t>20/09/2019</a:t>
+              <a:t>18/10/2019</a:t>
             </a:fld>
             <a:endParaRPr lang="pt-BR"/>
           </a:p>
@@ -1147,7 +1147,7 @@
           <a:p>
             <a:fld id="{46DF35DE-0DC8-4534-86A5-D1F1F01A51FA}" type="datetimeFigureOut">
               <a:rPr lang="pt-BR" smtClean="0"/>
-              <a:t>20/09/2019</a:t>
+              <a:t>18/10/2019</a:t>
             </a:fld>
             <a:endParaRPr lang="pt-BR"/>
           </a:p>
@@ -1415,7 +1415,7 @@
           <a:p>
             <a:fld id="{46DF35DE-0DC8-4534-86A5-D1F1F01A51FA}" type="datetimeFigureOut">
               <a:rPr lang="pt-BR" smtClean="0"/>
-              <a:t>20/09/2019</a:t>
+              <a:t>18/10/2019</a:t>
             </a:fld>
             <a:endParaRPr lang="pt-BR"/>
           </a:p>
@@ -1830,7 +1830,7 @@
           <a:p>
             <a:fld id="{46DF35DE-0DC8-4534-86A5-D1F1F01A51FA}" type="datetimeFigureOut">
               <a:rPr lang="pt-BR" smtClean="0"/>
-              <a:t>20/09/2019</a:t>
+              <a:t>18/10/2019</a:t>
             </a:fld>
             <a:endParaRPr lang="pt-BR"/>
           </a:p>
@@ -1972,7 +1972,7 @@
           <a:p>
             <a:fld id="{46DF35DE-0DC8-4534-86A5-D1F1F01A51FA}" type="datetimeFigureOut">
               <a:rPr lang="pt-BR" smtClean="0"/>
-              <a:t>20/09/2019</a:t>
+              <a:t>18/10/2019</a:t>
             </a:fld>
             <a:endParaRPr lang="pt-BR"/>
           </a:p>
@@ -2085,7 +2085,7 @@
           <a:p>
             <a:fld id="{46DF35DE-0DC8-4534-86A5-D1F1F01A51FA}" type="datetimeFigureOut">
               <a:rPr lang="pt-BR" smtClean="0"/>
-              <a:t>20/09/2019</a:t>
+              <a:t>18/10/2019</a:t>
             </a:fld>
             <a:endParaRPr lang="pt-BR"/>
           </a:p>
@@ -2398,7 +2398,7 @@
           <a:p>
             <a:fld id="{46DF35DE-0DC8-4534-86A5-D1F1F01A51FA}" type="datetimeFigureOut">
               <a:rPr lang="pt-BR" smtClean="0"/>
-              <a:t>20/09/2019</a:t>
+              <a:t>18/10/2019</a:t>
             </a:fld>
             <a:endParaRPr lang="pt-BR"/>
           </a:p>
@@ -2687,7 +2687,7 @@
           <a:p>
             <a:fld id="{46DF35DE-0DC8-4534-86A5-D1F1F01A51FA}" type="datetimeFigureOut">
               <a:rPr lang="pt-BR" smtClean="0"/>
-              <a:t>20/09/2019</a:t>
+              <a:t>18/10/2019</a:t>
             </a:fld>
             <a:endParaRPr lang="pt-BR"/>
           </a:p>
@@ -2930,7 +2930,7 @@
           <a:p>
             <a:fld id="{46DF35DE-0DC8-4534-86A5-D1F1F01A51FA}" type="datetimeFigureOut">
               <a:rPr lang="pt-BR" smtClean="0"/>
-              <a:t>20/09/2019</a:t>
+              <a:t>18/10/2019</a:t>
             </a:fld>
             <a:endParaRPr lang="pt-BR"/>
           </a:p>
@@ -3666,7 +3666,7 @@
         </p:nvSpPr>
         <p:spPr>
           <a:xfrm>
-            <a:off x="617767" y="4645210"/>
+            <a:off x="617767" y="4710986"/>
             <a:ext cx="10898000" cy="1413600"/>
           </a:xfrm>
           <a:prstGeom prst="rect">
@@ -3710,7 +3710,19 @@
               <a:rPr lang="pt-BR" sz="2000" dirty="0">
                 <a:latin typeface="+mj-lt"/>
               </a:rPr>
-              <a:t>Aumento considerável de fila tendo como motivo os incidentes;</a:t>
+              <a:t>Aumento considerável </a:t>
+            </a:r>
+            <a:r>
+              <a:rPr lang="pt-BR" sz="2000" dirty="0" smtClean="0">
+                <a:latin typeface="+mj-lt"/>
+              </a:rPr>
+              <a:t>do uso do totem </a:t>
+            </a:r>
+            <a:r>
+              <a:rPr lang="pt-BR" sz="2000" dirty="0">
+                <a:latin typeface="+mj-lt"/>
+              </a:rPr>
+              <a:t>tendo como motivo os incidentes;</a:t>
             </a:r>
             <a:endParaRPr sz="2000" dirty="0">
               <a:latin typeface="+mj-lt"/>
@@ -3744,8 +3756,17 @@
               <a:rPr lang="pt-BR" sz="2000" dirty="0">
                 <a:latin typeface="+mj-lt"/>
               </a:rPr>
-              <a:t>Falta de monitoramento nas máquinas.</a:t>
-            </a:r>
+              <a:t>Falta de monitoramento nas </a:t>
+            </a:r>
+            <a:r>
+              <a:rPr lang="pt-BR" sz="2000" dirty="0" smtClean="0">
+                <a:latin typeface="+mj-lt"/>
+              </a:rPr>
+              <a:t>máquinas;</a:t>
+            </a:r>
+            <a:endParaRPr lang="pt-BR" sz="2000" dirty="0">
+              <a:latin typeface="+mj-lt"/>
+            </a:endParaRPr>
           </a:p>
           <a:p>
             <a:pPr marL="609585" indent="-414856">
@@ -3758,8 +3779,17 @@
               <a:rPr lang="pt-BR" sz="2000" dirty="0">
                 <a:latin typeface="+mj-lt"/>
               </a:rPr>
-              <a:t>Não possui relatórios de incidentes fora de seus turnos</a:t>
-            </a:r>
+              <a:t>Não possui relatórios de incidentes fora de seus </a:t>
+            </a:r>
+            <a:r>
+              <a:rPr lang="pt-BR" sz="2000" dirty="0" smtClean="0">
+                <a:latin typeface="+mj-lt"/>
+              </a:rPr>
+              <a:t>turnos;</a:t>
+            </a:r>
+            <a:endParaRPr lang="pt-BR" sz="2000" dirty="0">
+              <a:latin typeface="+mj-lt"/>
+            </a:endParaRPr>
           </a:p>
           <a:p>
             <a:pPr marL="609585" indent="-414856">
@@ -3768,6 +3798,18 @@
                 <a:blip r:embed="rId2"/>
               </a:buBlip>
             </a:pPr>
+            <a:r>
+              <a:rPr lang="pt-BR" sz="2000" dirty="0" smtClean="0">
+                <a:latin typeface="+mj-lt"/>
+              </a:rPr>
+              <a:t>Reclamações </a:t>
+            </a:r>
+            <a:r>
+              <a:rPr lang="pt-BR" sz="2000" smtClean="0">
+                <a:latin typeface="+mj-lt"/>
+              </a:rPr>
+              <a:t>do superior;</a:t>
+            </a:r>
             <a:endParaRPr sz="2000" dirty="0">
               <a:latin typeface="+mj-lt"/>
             </a:endParaRPr>
@@ -3788,7 +3830,7 @@
         </p:nvSpPr>
         <p:spPr>
           <a:xfrm>
-            <a:off x="2575276" y="1954277"/>
+            <a:off x="2536087" y="2178148"/>
             <a:ext cx="2657417" cy="666800"/>
           </a:xfrm>
           <a:prstGeom prst="rect">
@@ -3807,12 +3849,12 @@
           <a:p>
             <a:pPr algn="ctr"/>
             <a:r>
-              <a:rPr lang="pt-BR" sz="2800" dirty="0">
+              <a:rPr lang="pt-BR" sz="2800" b="1" dirty="0">
                 <a:latin typeface="+mj-lt"/>
               </a:rPr>
               <a:t>Carlos Almeida</a:t>
             </a:r>
-            <a:endParaRPr sz="2800" dirty="0">
+            <a:endParaRPr sz="2800" b="1" dirty="0">
               <a:latin typeface="+mj-lt"/>
             </a:endParaRPr>
           </a:p>
@@ -3910,63 +3952,17 @@
               <a:rPr lang="pt-BR" sz="2000" dirty="0">
                 <a:latin typeface="+mj-lt"/>
               </a:rPr>
-              <a:t>Trabalha em turnos.</a:t>
-            </a:r>
-            <a:endParaRPr sz="2000" dirty="0">
-              <a:latin typeface="+mj-lt"/>
-            </a:endParaRPr>
-          </a:p>
-        </p:txBody>
-      </p:sp>
-      <p:pic>
-        <p:nvPicPr>
-          <p:cNvPr id="13" name="Google Shape;63;p13">
-            <a:extLst>
-              <a:ext uri="{FF2B5EF4-FFF2-40B4-BE49-F238E27FC236}">
-                <a16:creationId xmlns:a16="http://schemas.microsoft.com/office/drawing/2014/main" id="{B7AF22D8-FC17-4653-B4EA-12E01095E25B}"/>
-              </a:ext>
-            </a:extLst>
-          </p:cNvPr>
-          <p:cNvPicPr preferRelativeResize="0"/>
-          <p:nvPr/>
-        </p:nvPicPr>
-        <p:blipFill>
-          <a:blip r:embed="rId3">
-            <a:alphaModFix/>
-            <a:extLst>
-              <a:ext uri="{BEBA8EAE-BF5A-486C-A8C5-ECC9F3942E4B}">
-                <a14:imgProps xmlns:a14="http://schemas.microsoft.com/office/drawing/2010/main">
-                  <a14:imgLayer r:embed="rId4">
-                    <a14:imgEffect>
-                      <a14:backgroundRemoval t="10000" b="92333" l="10000" r="90000">
-                        <a14:foregroundMark x1="30333" y1="89583" x2="45889" y2="92333"/>
-                        <a14:foregroundMark x1="46667" y1="33500" x2="53333" y2="52417"/>
-                        <a14:foregroundMark x1="56333" y1="40750" x2="55556" y2="54083"/>
-                      </a14:backgroundRemoval>
-                    </a14:imgEffect>
-                  </a14:imgLayer>
-                </a14:imgProps>
-              </a:ext>
-            </a:extLst>
-          </a:blip>
-          <a:stretch>
-            <a:fillRect/>
-          </a:stretch>
-        </p:blipFill>
-        <p:spPr>
-          <a:xfrm>
-            <a:off x="1228382" y="1163341"/>
-            <a:ext cx="1843200" cy="2457600"/>
-          </a:xfrm>
-          <a:prstGeom prst="rect">
-            <a:avLst/>
-          </a:prstGeom>
-          <a:noFill/>
-          <a:ln>
-            <a:noFill/>
-          </a:ln>
-        </p:spPr>
-      </p:pic>
+              <a:t>Trabalha em turnos</a:t>
+            </a:r>
+            <a:r>
+              <a:rPr lang="pt-BR" sz="2000" dirty="0" smtClean="0">
+                <a:latin typeface="+mj-lt"/>
+              </a:rPr>
+              <a:t>.</a:t>
+            </a:r>
+          </a:p>
+        </p:txBody>
+      </p:sp>
       <p:sp>
         <p:nvSpPr>
           <p:cNvPr id="7" name="Google Shape;57;p13">
@@ -4045,6 +4041,47 @@
           </a:p>
         </p:txBody>
       </p:sp>
+      <p:pic>
+        <p:nvPicPr>
+          <p:cNvPr id="2" name="Imagem 1"/>
+          <p:cNvPicPr>
+            <a:picLocks noChangeAspect="1"/>
+          </p:cNvPicPr>
+          <p:nvPr/>
+        </p:nvPicPr>
+        <p:blipFill>
+          <a:blip r:embed="rId3">
+            <a:extLst>
+              <a:ext uri="{BEBA8EAE-BF5A-486C-A8C5-ECC9F3942E4B}">
+                <a14:imgProps xmlns:a14="http://schemas.microsoft.com/office/drawing/2010/main">
+                  <a14:imgLayer r:embed="rId4">
+                    <a14:imgEffect>
+                      <a14:backgroundRemoval t="1000" b="100000" l="10000" r="95200">
+                        <a14:backgroundMark x1="74600" y1="70400" x2="74600" y2="70400"/>
+                      </a14:backgroundRemoval>
+                    </a14:imgEffect>
+                  </a14:imgLayer>
+                </a14:imgProps>
+              </a:ext>
+              <a:ext uri="{28A0092B-C50C-407E-A947-70E740481C1C}">
+                <a14:useLocalDpi xmlns:a14="http://schemas.microsoft.com/office/drawing/2010/main" val="0"/>
+              </a:ext>
+            </a:extLst>
+          </a:blip>
+          <a:stretch>
+            <a:fillRect/>
+          </a:stretch>
+        </p:blipFill>
+        <p:spPr>
+          <a:xfrm>
+            <a:off x="637810" y="1647970"/>
+            <a:ext cx="1778820" cy="1778820"/>
+          </a:xfrm>
+          <a:prstGeom prst="rect">
+            <a:avLst/>
+          </a:prstGeom>
+        </p:spPr>
+      </p:pic>
     </p:spTree>
     <p:extLst>
       <p:ext uri="{BB962C8B-B14F-4D97-AF65-F5344CB8AC3E}">
